--- a/2018/resources/images/poster/laatukiikut_poster.pptx
+++ b/2018/resources/images/poster/laatukiikut_poster.pptx
@@ -288,7 +288,7 @@
           <a:p>
             <a:fld id="{3C6191DC-FE38-934D-A5F5-BBE069850135}" type="datetimeFigureOut">
               <a:rPr lang="en-US" smtClean="0"/>
-              <a:t>15/3/2018</a:t>
+              <a:t>17/3/2018</a:t>
             </a:fld>
             <a:endParaRPr lang="en-US"/>
           </a:p>
@@ -453,7 +453,7 @@
           <a:p>
             <a:fld id="{3C6191DC-FE38-934D-A5F5-BBE069850135}" type="datetimeFigureOut">
               <a:rPr lang="en-US" smtClean="0"/>
-              <a:t>15/3/2018</a:t>
+              <a:t>17/3/2018</a:t>
             </a:fld>
             <a:endParaRPr lang="en-US"/>
           </a:p>
@@ -628,7 +628,7 @@
           <a:p>
             <a:fld id="{3C6191DC-FE38-934D-A5F5-BBE069850135}" type="datetimeFigureOut">
               <a:rPr lang="en-US" smtClean="0"/>
-              <a:t>15/3/2018</a:t>
+              <a:t>17/3/2018</a:t>
             </a:fld>
             <a:endParaRPr lang="en-US"/>
           </a:p>
@@ -793,7 +793,7 @@
           <a:p>
             <a:fld id="{3C6191DC-FE38-934D-A5F5-BBE069850135}" type="datetimeFigureOut">
               <a:rPr lang="en-US" smtClean="0"/>
-              <a:t>15/3/2018</a:t>
+              <a:t>17/3/2018</a:t>
             </a:fld>
             <a:endParaRPr lang="en-US"/>
           </a:p>
@@ -1034,7 +1034,7 @@
           <a:p>
             <a:fld id="{3C6191DC-FE38-934D-A5F5-BBE069850135}" type="datetimeFigureOut">
               <a:rPr lang="en-US" smtClean="0"/>
-              <a:t>15/3/2018</a:t>
+              <a:t>17/3/2018</a:t>
             </a:fld>
             <a:endParaRPr lang="en-US"/>
           </a:p>
@@ -1317,7 +1317,7 @@
           <a:p>
             <a:fld id="{3C6191DC-FE38-934D-A5F5-BBE069850135}" type="datetimeFigureOut">
               <a:rPr lang="en-US" smtClean="0"/>
-              <a:t>15/3/2018</a:t>
+              <a:t>17/3/2018</a:t>
             </a:fld>
             <a:endParaRPr lang="en-US"/>
           </a:p>
@@ -1734,7 +1734,7 @@
           <a:p>
             <a:fld id="{3C6191DC-FE38-934D-A5F5-BBE069850135}" type="datetimeFigureOut">
               <a:rPr lang="en-US" smtClean="0"/>
-              <a:t>15/3/2018</a:t>
+              <a:t>17/3/2018</a:t>
             </a:fld>
             <a:endParaRPr lang="en-US"/>
           </a:p>
@@ -1847,7 +1847,7 @@
           <a:p>
             <a:fld id="{3C6191DC-FE38-934D-A5F5-BBE069850135}" type="datetimeFigureOut">
               <a:rPr lang="en-US" smtClean="0"/>
-              <a:t>15/3/2018</a:t>
+              <a:t>17/3/2018</a:t>
             </a:fld>
             <a:endParaRPr lang="en-US"/>
           </a:p>
@@ -1937,7 +1937,7 @@
           <a:p>
             <a:fld id="{3C6191DC-FE38-934D-A5F5-BBE069850135}" type="datetimeFigureOut">
               <a:rPr lang="en-US" smtClean="0"/>
-              <a:t>15/3/2018</a:t>
+              <a:t>17/3/2018</a:t>
             </a:fld>
             <a:endParaRPr lang="en-US"/>
           </a:p>
@@ -2209,7 +2209,7 @@
           <a:p>
             <a:fld id="{3C6191DC-FE38-934D-A5F5-BBE069850135}" type="datetimeFigureOut">
               <a:rPr lang="en-US" smtClean="0"/>
-              <a:t>15/3/2018</a:t>
+              <a:t>17/3/2018</a:t>
             </a:fld>
             <a:endParaRPr lang="en-US"/>
           </a:p>
@@ -2457,7 +2457,7 @@
           <a:p>
             <a:fld id="{3C6191DC-FE38-934D-A5F5-BBE069850135}" type="datetimeFigureOut">
               <a:rPr lang="en-US" smtClean="0"/>
-              <a:t>15/3/2018</a:t>
+              <a:t>17/3/2018</a:t>
             </a:fld>
             <a:endParaRPr lang="en-US"/>
           </a:p>
@@ -2665,7 +2665,7 @@
           <a:p>
             <a:fld id="{3C6191DC-FE38-934D-A5F5-BBE069850135}" type="datetimeFigureOut">
               <a:rPr lang="en-US" smtClean="0"/>
-              <a:t>15/3/2018</a:t>
+              <a:t>17/3/2018</a:t>
             </a:fld>
             <a:endParaRPr lang="en-US"/>
           </a:p>
@@ -3037,7 +3037,7 @@
       </p:grpSpPr>
       <p:grpSp>
         <p:nvGrpSpPr>
-          <p:cNvPr id="3" name="Group 2"/>
+          <p:cNvPr id="32" name="Group 31"/>
           <p:cNvGrpSpPr/>
           <p:nvPr/>
         </p:nvGrpSpPr>
@@ -3139,204 +3139,6 @@
             </a:p>
           </p:txBody>
         </p:sp>
-        <p:grpSp>
-          <p:nvGrpSpPr>
-            <p:cNvPr id="16" name="Group 15"/>
-            <p:cNvGrpSpPr/>
-            <p:nvPr/>
-          </p:nvGrpSpPr>
-          <p:grpSpPr>
-            <a:xfrm>
-              <a:off x="-1710989" y="3806190"/>
-              <a:ext cx="12545566" cy="3051810"/>
-              <a:chOff x="-1710989" y="2536236"/>
-              <a:chExt cx="12545566" cy="3051810"/>
-            </a:xfrm>
-          </p:grpSpPr>
-          <p:pic>
-            <p:nvPicPr>
-              <p:cNvPr id="6" name="Picture 5" descr="1_-_about.png"/>
-              <p:cNvPicPr>
-                <a:picLocks noChangeAspect="1"/>
-              </p:cNvPicPr>
-              <p:nvPr/>
-            </p:nvPicPr>
-            <p:blipFill>
-              <a:blip r:embed="rId2"/>
-              <a:stretch>
-                <a:fillRect/>
-              </a:stretch>
-            </p:blipFill>
-            <p:spPr>
-              <a:xfrm>
-                <a:off x="-1710989" y="2536236"/>
-                <a:ext cx="1453515" cy="3051810"/>
-              </a:xfrm>
-              <a:prstGeom prst="rect">
-                <a:avLst/>
-              </a:prstGeom>
-            </p:spPr>
-          </p:pic>
-          <p:pic>
-            <p:nvPicPr>
-              <p:cNvPr id="8" name="Picture 7" descr="2_-_map.png"/>
-              <p:cNvPicPr>
-                <a:picLocks noChangeAspect="1"/>
-              </p:cNvPicPr>
-              <p:nvPr/>
-            </p:nvPicPr>
-            <p:blipFill>
-              <a:blip r:embed="rId3"/>
-              <a:stretch>
-                <a:fillRect/>
-              </a:stretch>
-            </p:blipFill>
-            <p:spPr>
-              <a:xfrm>
-                <a:off x="187762" y="2536236"/>
-                <a:ext cx="1453515" cy="3051810"/>
-              </a:xfrm>
-              <a:prstGeom prst="rect">
-                <a:avLst/>
-              </a:prstGeom>
-            </p:spPr>
-          </p:pic>
-          <p:pic>
-            <p:nvPicPr>
-              <p:cNvPr id="9" name="Picture 8" descr="3_-_filters.png"/>
-              <p:cNvPicPr>
-                <a:picLocks noChangeAspect="1"/>
-              </p:cNvPicPr>
-              <p:nvPr/>
-            </p:nvPicPr>
-            <p:blipFill>
-              <a:blip r:embed="rId4"/>
-              <a:stretch>
-                <a:fillRect/>
-              </a:stretch>
-            </p:blipFill>
-            <p:spPr>
-              <a:xfrm>
-                <a:off x="2086513" y="2536236"/>
-                <a:ext cx="1453515" cy="3051810"/>
-              </a:xfrm>
-              <a:prstGeom prst="rect">
-                <a:avLst/>
-              </a:prstGeom>
-            </p:spPr>
-          </p:pic>
-          <p:pic>
-            <p:nvPicPr>
-              <p:cNvPr id="11" name="Picture 10" descr="4_-_marker.png"/>
-              <p:cNvPicPr>
-                <a:picLocks noChangeAspect="1"/>
-              </p:cNvPicPr>
-              <p:nvPr/>
-            </p:nvPicPr>
-            <p:blipFill>
-              <a:blip r:embed="rId5"/>
-              <a:stretch>
-                <a:fillRect/>
-              </a:stretch>
-            </p:blipFill>
-            <p:spPr>
-              <a:xfrm>
-                <a:off x="3985264" y="2536236"/>
-                <a:ext cx="1453515" cy="3051810"/>
-              </a:xfrm>
-              <a:prstGeom prst="rect">
-                <a:avLst/>
-              </a:prstGeom>
-            </p:spPr>
-          </p:pic>
-          <p:grpSp>
-            <p:nvGrpSpPr>
-              <p:cNvPr id="15" name="Group 14"/>
-              <p:cNvGrpSpPr/>
-              <p:nvPr/>
-            </p:nvGrpSpPr>
-            <p:grpSpPr>
-              <a:xfrm>
-                <a:off x="5884015" y="2536236"/>
-                <a:ext cx="3051810" cy="3051810"/>
-                <a:chOff x="5873962" y="2536236"/>
-                <a:chExt cx="3051810" cy="3051810"/>
-              </a:xfrm>
-            </p:grpSpPr>
-            <p:pic>
-              <p:nvPicPr>
-                <p:cNvPr id="12" name="Picture 11" descr="5_-_video.png"/>
-                <p:cNvPicPr>
-                  <a:picLocks noChangeAspect="1"/>
-                </p:cNvPicPr>
-                <p:nvPr/>
-              </p:nvPicPr>
-              <p:blipFill>
-                <a:blip r:embed="rId6"/>
-                <a:stretch>
-                  <a:fillRect/>
-                </a:stretch>
-              </p:blipFill>
-              <p:spPr>
-                <a:xfrm>
-                  <a:off x="5873962" y="2536236"/>
-                  <a:ext cx="3051810" cy="1453515"/>
-                </a:xfrm>
-                <a:prstGeom prst="rect">
-                  <a:avLst/>
-                </a:prstGeom>
-              </p:spPr>
-            </p:pic>
-            <p:pic>
-              <p:nvPicPr>
-                <p:cNvPr id="13" name="Picture 12" descr="6_-_27crags.png"/>
-                <p:cNvPicPr>
-                  <a:picLocks noChangeAspect="1"/>
-                </p:cNvPicPr>
-                <p:nvPr/>
-              </p:nvPicPr>
-              <p:blipFill>
-                <a:blip r:embed="rId7"/>
-                <a:stretch>
-                  <a:fillRect/>
-                </a:stretch>
-              </p:blipFill>
-              <p:spPr>
-                <a:xfrm>
-                  <a:off x="5873962" y="4134531"/>
-                  <a:ext cx="3051810" cy="1453515"/>
-                </a:xfrm>
-                <a:prstGeom prst="rect">
-                  <a:avLst/>
-                </a:prstGeom>
-              </p:spPr>
-            </p:pic>
-          </p:grpSp>
-          <p:pic>
-            <p:nvPicPr>
-              <p:cNvPr id="14" name="Picture 13" descr="7_-_directions.png"/>
-              <p:cNvPicPr>
-                <a:picLocks noChangeAspect="1"/>
-              </p:cNvPicPr>
-              <p:nvPr/>
-            </p:nvPicPr>
-            <p:blipFill>
-              <a:blip r:embed="rId8"/>
-              <a:stretch>
-                <a:fillRect/>
-              </a:stretch>
-            </p:blipFill>
-            <p:spPr>
-              <a:xfrm>
-                <a:off x="9381062" y="2536236"/>
-                <a:ext cx="1453515" cy="3051810"/>
-              </a:xfrm>
-              <a:prstGeom prst="rect">
-                <a:avLst/>
-              </a:prstGeom>
-            </p:spPr>
-          </p:pic>
-        </p:grpSp>
         <p:grpSp>
           <p:nvGrpSpPr>
             <p:cNvPr id="23" name="Group 22"/>
@@ -3719,7 +3521,7 @@
               <p:nvPr/>
             </p:nvPicPr>
             <p:blipFill>
-              <a:blip r:embed="rId9"/>
+              <a:blip r:embed="rId2"/>
               <a:stretch>
                 <a:fillRect/>
               </a:stretch>
@@ -3778,6 +3580,216 @@
             </p:txBody>
           </p:sp>
         </p:grpSp>
+        <p:pic>
+          <p:nvPicPr>
+            <p:cNvPr id="10" name="Picture 9" descr="1_-_about.png"/>
+            <p:cNvPicPr>
+              <a:picLocks noChangeAspect="1"/>
+            </p:cNvPicPr>
+            <p:nvPr/>
+          </p:nvPicPr>
+          <p:blipFill>
+            <a:blip r:embed="rId3">
+              <a:extLst>
+                <a:ext uri="{28A0092B-C50C-407E-A947-70E740481C1C}">
+                  <a14:useLocalDpi xmlns:a14="http://schemas.microsoft.com/office/drawing/2010/main" val="0"/>
+                </a:ext>
+              </a:extLst>
+            </a:blip>
+            <a:stretch>
+              <a:fillRect/>
+            </a:stretch>
+          </p:blipFill>
+          <p:spPr>
+            <a:xfrm>
+              <a:off x="-1710000" y="3805200"/>
+              <a:ext cx="1453515" cy="3051810"/>
+            </a:xfrm>
+            <a:prstGeom prst="rect">
+              <a:avLst/>
+            </a:prstGeom>
+          </p:spPr>
+        </p:pic>
+        <p:pic>
+          <p:nvPicPr>
+            <p:cNvPr id="25" name="Picture 24" descr="2_-_map.png"/>
+            <p:cNvPicPr>
+              <a:picLocks noChangeAspect="1"/>
+            </p:cNvPicPr>
+            <p:nvPr/>
+          </p:nvPicPr>
+          <p:blipFill>
+            <a:blip r:embed="rId4">
+              <a:extLst>
+                <a:ext uri="{28A0092B-C50C-407E-A947-70E740481C1C}">
+                  <a14:useLocalDpi xmlns:a14="http://schemas.microsoft.com/office/drawing/2010/main" val="0"/>
+                </a:ext>
+              </a:extLst>
+            </a:blip>
+            <a:stretch>
+              <a:fillRect/>
+            </a:stretch>
+          </p:blipFill>
+          <p:spPr>
+            <a:xfrm>
+              <a:off x="187200" y="3805200"/>
+              <a:ext cx="1453515" cy="3051810"/>
+            </a:xfrm>
+            <a:prstGeom prst="rect">
+              <a:avLst/>
+            </a:prstGeom>
+          </p:spPr>
+        </p:pic>
+        <p:pic>
+          <p:nvPicPr>
+            <p:cNvPr id="26" name="Picture 25" descr="3_-_filters.png"/>
+            <p:cNvPicPr>
+              <a:picLocks noChangeAspect="1"/>
+            </p:cNvPicPr>
+            <p:nvPr/>
+          </p:nvPicPr>
+          <p:blipFill>
+            <a:blip r:embed="rId5">
+              <a:extLst>
+                <a:ext uri="{28A0092B-C50C-407E-A947-70E740481C1C}">
+                  <a14:useLocalDpi xmlns:a14="http://schemas.microsoft.com/office/drawing/2010/main" val="0"/>
+                </a:ext>
+              </a:extLst>
+            </a:blip>
+            <a:stretch>
+              <a:fillRect/>
+            </a:stretch>
+          </p:blipFill>
+          <p:spPr>
+            <a:xfrm>
+              <a:off x="2088000" y="3805200"/>
+              <a:ext cx="1453515" cy="3051810"/>
+            </a:xfrm>
+            <a:prstGeom prst="rect">
+              <a:avLst/>
+            </a:prstGeom>
+          </p:spPr>
+        </p:pic>
+        <p:pic>
+          <p:nvPicPr>
+            <p:cNvPr id="28" name="Picture 27" descr="4_-_marker.png"/>
+            <p:cNvPicPr>
+              <a:picLocks noChangeAspect="1"/>
+            </p:cNvPicPr>
+            <p:nvPr/>
+          </p:nvPicPr>
+          <p:blipFill>
+            <a:blip r:embed="rId6">
+              <a:extLst>
+                <a:ext uri="{28A0092B-C50C-407E-A947-70E740481C1C}">
+                  <a14:useLocalDpi xmlns:a14="http://schemas.microsoft.com/office/drawing/2010/main" val="0"/>
+                </a:ext>
+              </a:extLst>
+            </a:blip>
+            <a:stretch>
+              <a:fillRect/>
+            </a:stretch>
+          </p:blipFill>
+          <p:spPr>
+            <a:xfrm>
+              <a:off x="3985200" y="3805200"/>
+              <a:ext cx="1453515" cy="3051810"/>
+            </a:xfrm>
+            <a:prstGeom prst="rect">
+              <a:avLst/>
+            </a:prstGeom>
+          </p:spPr>
+        </p:pic>
+        <p:pic>
+          <p:nvPicPr>
+            <p:cNvPr id="29" name="Picture 28" descr="5_-_video.png"/>
+            <p:cNvPicPr>
+              <a:picLocks noChangeAspect="1"/>
+            </p:cNvPicPr>
+            <p:nvPr/>
+          </p:nvPicPr>
+          <p:blipFill>
+            <a:blip r:embed="rId7">
+              <a:extLst>
+                <a:ext uri="{28A0092B-C50C-407E-A947-70E740481C1C}">
+                  <a14:useLocalDpi xmlns:a14="http://schemas.microsoft.com/office/drawing/2010/main" val="0"/>
+                </a:ext>
+              </a:extLst>
+            </a:blip>
+            <a:stretch>
+              <a:fillRect/>
+            </a:stretch>
+          </p:blipFill>
+          <p:spPr>
+            <a:xfrm>
+              <a:off x="5882400" y="3805200"/>
+              <a:ext cx="3051810" cy="1453515"/>
+            </a:xfrm>
+            <a:prstGeom prst="rect">
+              <a:avLst/>
+            </a:prstGeom>
+          </p:spPr>
+        </p:pic>
+        <p:pic>
+          <p:nvPicPr>
+            <p:cNvPr id="30" name="Picture 29" descr="6_-_27crags.png"/>
+            <p:cNvPicPr>
+              <a:picLocks noChangeAspect="1"/>
+            </p:cNvPicPr>
+            <p:nvPr/>
+          </p:nvPicPr>
+          <p:blipFill>
+            <a:blip r:embed="rId8">
+              <a:extLst>
+                <a:ext uri="{28A0092B-C50C-407E-A947-70E740481C1C}">
+                  <a14:useLocalDpi xmlns:a14="http://schemas.microsoft.com/office/drawing/2010/main" val="0"/>
+                </a:ext>
+              </a:extLst>
+            </a:blip>
+            <a:stretch>
+              <a:fillRect/>
+            </a:stretch>
+          </p:blipFill>
+          <p:spPr>
+            <a:xfrm>
+              <a:off x="5882400" y="5403600"/>
+              <a:ext cx="3051810" cy="1453515"/>
+            </a:xfrm>
+            <a:prstGeom prst="rect">
+              <a:avLst/>
+            </a:prstGeom>
+          </p:spPr>
+        </p:pic>
+        <p:pic>
+          <p:nvPicPr>
+            <p:cNvPr id="31" name="Picture 30" descr="7_-_directions.png"/>
+            <p:cNvPicPr>
+              <a:picLocks noChangeAspect="1"/>
+            </p:cNvPicPr>
+            <p:nvPr/>
+          </p:nvPicPr>
+          <p:blipFill>
+            <a:blip r:embed="rId9">
+              <a:extLst>
+                <a:ext uri="{28A0092B-C50C-407E-A947-70E740481C1C}">
+                  <a14:useLocalDpi xmlns:a14="http://schemas.microsoft.com/office/drawing/2010/main" val="0"/>
+                </a:ext>
+              </a:extLst>
+            </a:blip>
+            <a:stretch>
+              <a:fillRect/>
+            </a:stretch>
+          </p:blipFill>
+          <p:spPr>
+            <a:xfrm>
+              <a:off x="9381600" y="3805200"/>
+              <a:ext cx="1453515" cy="3051810"/>
+            </a:xfrm>
+            <a:prstGeom prst="rect">
+              <a:avLst/>
+            </a:prstGeom>
+          </p:spPr>
+        </p:pic>
       </p:grpSp>
     </p:spTree>
   </p:cSld>
